--- a/bkctf-2020-giấy-khen-2.pptx
+++ b/bkctf-2020-giấy-khen-2.pptx
@@ -244,7 +244,7 @@
           <a:p>
             <a:fld id="{077FFD38-1A6D-445E-8F57-1A5D38361BE3}" type="datetimeFigureOut">
               <a:rPr lang="vi-VN" smtClean="0"/>
-              <a:t>16/09/2020</a:t>
+              <a:t>18/09/2020</a:t>
             </a:fld>
             <a:endParaRPr lang="vi-VN"/>
           </a:p>
@@ -414,7 +414,7 @@
           <a:p>
             <a:fld id="{077FFD38-1A6D-445E-8F57-1A5D38361BE3}" type="datetimeFigureOut">
               <a:rPr lang="vi-VN" smtClean="0"/>
-              <a:t>16/09/2020</a:t>
+              <a:t>18/09/2020</a:t>
             </a:fld>
             <a:endParaRPr lang="vi-VN"/>
           </a:p>
@@ -594,7 +594,7 @@
           <a:p>
             <a:fld id="{077FFD38-1A6D-445E-8F57-1A5D38361BE3}" type="datetimeFigureOut">
               <a:rPr lang="vi-VN" smtClean="0"/>
-              <a:t>16/09/2020</a:t>
+              <a:t>18/09/2020</a:t>
             </a:fld>
             <a:endParaRPr lang="vi-VN"/>
           </a:p>
@@ -2136,7 +2136,7 @@
           <a:p>
             <a:fld id="{077FFD38-1A6D-445E-8F57-1A5D38361BE3}" type="datetimeFigureOut">
               <a:rPr lang="vi-VN" smtClean="0"/>
-              <a:t>16/09/2020</a:t>
+              <a:t>18/09/2020</a:t>
             </a:fld>
             <a:endParaRPr lang="vi-VN"/>
           </a:p>
@@ -2380,7 +2380,7 @@
           <a:p>
             <a:fld id="{077FFD38-1A6D-445E-8F57-1A5D38361BE3}" type="datetimeFigureOut">
               <a:rPr lang="vi-VN" smtClean="0"/>
-              <a:t>16/09/2020</a:t>
+              <a:t>18/09/2020</a:t>
             </a:fld>
             <a:endParaRPr lang="vi-VN"/>
           </a:p>
@@ -2612,7 +2612,7 @@
           <a:p>
             <a:fld id="{077FFD38-1A6D-445E-8F57-1A5D38361BE3}" type="datetimeFigureOut">
               <a:rPr lang="vi-VN" smtClean="0"/>
-              <a:t>16/09/2020</a:t>
+              <a:t>18/09/2020</a:t>
             </a:fld>
             <a:endParaRPr lang="vi-VN"/>
           </a:p>
@@ -2979,7 +2979,7 @@
           <a:p>
             <a:fld id="{077FFD38-1A6D-445E-8F57-1A5D38361BE3}" type="datetimeFigureOut">
               <a:rPr lang="vi-VN" smtClean="0"/>
-              <a:t>16/09/2020</a:t>
+              <a:t>18/09/2020</a:t>
             </a:fld>
             <a:endParaRPr lang="vi-VN"/>
           </a:p>
@@ -3097,7 +3097,7 @@
           <a:p>
             <a:fld id="{077FFD38-1A6D-445E-8F57-1A5D38361BE3}" type="datetimeFigureOut">
               <a:rPr lang="vi-VN" smtClean="0"/>
-              <a:t>16/09/2020</a:t>
+              <a:t>18/09/2020</a:t>
             </a:fld>
             <a:endParaRPr lang="vi-VN"/>
           </a:p>
@@ -3192,7 +3192,7 @@
           <a:p>
             <a:fld id="{077FFD38-1A6D-445E-8F57-1A5D38361BE3}" type="datetimeFigureOut">
               <a:rPr lang="vi-VN" smtClean="0"/>
-              <a:t>16/09/2020</a:t>
+              <a:t>18/09/2020</a:t>
             </a:fld>
             <a:endParaRPr lang="vi-VN"/>
           </a:p>
@@ -3469,7 +3469,7 @@
           <a:p>
             <a:fld id="{077FFD38-1A6D-445E-8F57-1A5D38361BE3}" type="datetimeFigureOut">
               <a:rPr lang="vi-VN" smtClean="0"/>
-              <a:t>16/09/2020</a:t>
+              <a:t>18/09/2020</a:t>
             </a:fld>
             <a:endParaRPr lang="vi-VN"/>
           </a:p>
@@ -3726,7 +3726,7 @@
           <a:p>
             <a:fld id="{077FFD38-1A6D-445E-8F57-1A5D38361BE3}" type="datetimeFigureOut">
               <a:rPr lang="vi-VN" smtClean="0"/>
-              <a:t>16/09/2020</a:t>
+              <a:t>18/09/2020</a:t>
             </a:fld>
             <a:endParaRPr lang="vi-VN"/>
           </a:p>
@@ -3939,7 +3939,7 @@
           <a:p>
             <a:fld id="{077FFD38-1A6D-445E-8F57-1A5D38361BE3}" type="datetimeFigureOut">
               <a:rPr lang="vi-VN" smtClean="0"/>
-              <a:t>16/09/2020</a:t>
+              <a:t>18/09/2020</a:t>
             </a:fld>
             <a:endParaRPr lang="vi-VN"/>
           </a:p>
@@ -4371,7 +4371,7 @@
               <a:rPr lang="en-US" dirty="0">
                 <a:latin typeface="Kunstler Script" panose="030304020206070D0D06" pitchFamily="66" charset="0"/>
               </a:rPr>
-              <a:t>Mr. …..</a:t>
+              <a:t>…………………….…..</a:t>
             </a:r>
             <a:endParaRPr lang="vi-VN" dirty="0"/>
           </a:p>
@@ -4429,16 +4429,10 @@
           <a:lstStyle/>
           <a:p>
             <a:r>
-              <a:rPr lang="en-US" dirty="0" err="1">
-                <a:latin typeface="Kunstler Script" panose="030304020206070D0D06" pitchFamily="66" charset="0"/>
-              </a:rPr>
-              <a:t>Mr</a:t>
-            </a:r>
-            <a:r>
               <a:rPr lang="en-US" dirty="0">
                 <a:latin typeface="Kunstler Script" panose="030304020206070D0D06" pitchFamily="66" charset="0"/>
               </a:rPr>
-              <a:t> . ……..</a:t>
+              <a:t>…………..…..……………</a:t>
             </a:r>
             <a:endParaRPr lang="vi-VN" dirty="0"/>
           </a:p>
